--- a/project files/presentation/Final Presentation 06062019_Banana Analytics.pptx
+++ b/project files/presentation/Final Presentation 06062019_Banana Analytics.pptx
@@ -219,7 +219,7 @@
           <a:p>
             <a:fld id="{7823D24B-FFFB-D445-9911-39FF6E064BB7}" type="datetimeFigureOut">
               <a:rPr lang="de-DE" smtClean="0"/>
-              <a:t>03.06.19</a:t>
+              <a:t>04.06.19</a:t>
             </a:fld>
             <a:endParaRPr lang="de-DE"/>
           </a:p>
@@ -1310,7 +1310,7 @@
           <a:p>
             <a:fld id="{6570EB27-023D-8F4E-B696-8C378DF60B96}" type="datetimeFigureOut">
               <a:rPr lang="de-DE" smtClean="0"/>
-              <a:t>03.06.19</a:t>
+              <a:t>04.06.19</a:t>
             </a:fld>
             <a:endParaRPr lang="de-DE"/>
           </a:p>
@@ -1606,7 +1606,7 @@
           <a:p>
             <a:fld id="{6570EB27-023D-8F4E-B696-8C378DF60B96}" type="datetimeFigureOut">
               <a:rPr lang="de-DE" smtClean="0"/>
-              <a:t>03.06.19</a:t>
+              <a:t>04.06.19</a:t>
             </a:fld>
             <a:endParaRPr lang="de-DE"/>
           </a:p>
@@ -1870,7 +1870,7 @@
           <a:p>
             <a:fld id="{6570EB27-023D-8F4E-B696-8C378DF60B96}" type="datetimeFigureOut">
               <a:rPr lang="de-DE" smtClean="0"/>
-              <a:t>03.06.19</a:t>
+              <a:t>04.06.19</a:t>
             </a:fld>
             <a:endParaRPr lang="de-DE"/>
           </a:p>
@@ -2349,7 +2349,7 @@
           <a:p>
             <a:fld id="{6570EB27-023D-8F4E-B696-8C378DF60B96}" type="datetimeFigureOut">
               <a:rPr lang="de-DE" smtClean="0"/>
-              <a:t>03.06.19</a:t>
+              <a:t>04.06.19</a:t>
             </a:fld>
             <a:endParaRPr lang="de-DE"/>
           </a:p>
@@ -2534,7 +2534,7 @@
           <a:p>
             <a:fld id="{6570EB27-023D-8F4E-B696-8C378DF60B96}" type="datetimeFigureOut">
               <a:rPr lang="de-DE" smtClean="0"/>
-              <a:t>03.06.19</a:t>
+              <a:t>04.06.19</a:t>
             </a:fld>
             <a:endParaRPr lang="de-DE"/>
           </a:p>
@@ -3120,7 +3120,7 @@
           <a:p>
             <a:fld id="{6570EB27-023D-8F4E-B696-8C378DF60B96}" type="datetimeFigureOut">
               <a:rPr lang="de-DE" smtClean="0"/>
-              <a:t>03.06.19</a:t>
+              <a:t>04.06.19</a:t>
             </a:fld>
             <a:endParaRPr lang="de-DE"/>
           </a:p>
@@ -3462,7 +3462,7 @@
           <a:p>
             <a:fld id="{6570EB27-023D-8F4E-B696-8C378DF60B96}" type="datetimeFigureOut">
               <a:rPr lang="de-DE" smtClean="0"/>
-              <a:t>03.06.19</a:t>
+              <a:t>04.06.19</a:t>
             </a:fld>
             <a:endParaRPr lang="de-DE"/>
           </a:p>
@@ -3613,7 +3613,7 @@
           <a:p>
             <a:fld id="{6570EB27-023D-8F4E-B696-8C378DF60B96}" type="datetimeFigureOut">
               <a:rPr lang="de-DE" smtClean="0"/>
-              <a:t>03.06.19</a:t>
+              <a:t>04.06.19</a:t>
             </a:fld>
             <a:endParaRPr lang="de-DE"/>
           </a:p>
@@ -3769,7 +3769,7 @@
           <a:p>
             <a:fld id="{6570EB27-023D-8F4E-B696-8C378DF60B96}" type="datetimeFigureOut">
               <a:rPr lang="de-DE" smtClean="0"/>
-              <a:t>03.06.19</a:t>
+              <a:t>04.06.19</a:t>
             </a:fld>
             <a:endParaRPr lang="de-DE"/>
           </a:p>
@@ -3915,7 +3915,7 @@
           <a:p>
             <a:fld id="{6570EB27-023D-8F4E-B696-8C378DF60B96}" type="datetimeFigureOut">
               <a:rPr lang="de-DE" smtClean="0"/>
-              <a:t>03.06.19</a:t>
+              <a:t>04.06.19</a:t>
             </a:fld>
             <a:endParaRPr lang="de-DE"/>
           </a:p>
@@ -4177,7 +4177,7 @@
           <a:p>
             <a:fld id="{6570EB27-023D-8F4E-B696-8C378DF60B96}" type="datetimeFigureOut">
               <a:rPr lang="de-DE" smtClean="0"/>
-              <a:t>03.06.19</a:t>
+              <a:t>04.06.19</a:t>
             </a:fld>
             <a:endParaRPr lang="de-DE"/>
           </a:p>
@@ -4421,7 +4421,7 @@
           <a:p>
             <a:fld id="{6570EB27-023D-8F4E-B696-8C378DF60B96}" type="datetimeFigureOut">
               <a:rPr lang="de-DE" smtClean="0"/>
-              <a:t>03.06.19</a:t>
+              <a:t>04.06.19</a:t>
             </a:fld>
             <a:endParaRPr lang="de-DE"/>
           </a:p>
@@ -4813,7 +4813,7 @@
           <a:p>
             <a:fld id="{6570EB27-023D-8F4E-B696-8C378DF60B96}" type="datetimeFigureOut">
               <a:rPr lang="de-DE" smtClean="0"/>
-              <a:t>03.06.19</a:t>
+              <a:t>04.06.19</a:t>
             </a:fld>
             <a:endParaRPr lang="de-DE"/>
           </a:p>
@@ -4931,7 +4931,7 @@
           <a:p>
             <a:fld id="{6570EB27-023D-8F4E-B696-8C378DF60B96}" type="datetimeFigureOut">
               <a:rPr lang="de-DE" smtClean="0"/>
-              <a:t>03.06.19</a:t>
+              <a:t>04.06.19</a:t>
             </a:fld>
             <a:endParaRPr lang="de-DE"/>
           </a:p>
@@ -5026,7 +5026,7 @@
           <a:p>
             <a:fld id="{6570EB27-023D-8F4E-B696-8C378DF60B96}" type="datetimeFigureOut">
               <a:rPr lang="de-DE" smtClean="0"/>
-              <a:t>03.06.19</a:t>
+              <a:t>04.06.19</a:t>
             </a:fld>
             <a:endParaRPr lang="de-DE"/>
           </a:p>
@@ -5290,7 +5290,7 @@
           <a:p>
             <a:fld id="{6570EB27-023D-8F4E-B696-8C378DF60B96}" type="datetimeFigureOut">
               <a:rPr lang="de-DE" smtClean="0"/>
-              <a:t>03.06.19</a:t>
+              <a:t>04.06.19</a:t>
             </a:fld>
             <a:endParaRPr lang="de-DE"/>
           </a:p>
@@ -5586,7 +5586,7 @@
           <a:p>
             <a:fld id="{6570EB27-023D-8F4E-B696-8C378DF60B96}" type="datetimeFigureOut">
               <a:rPr lang="de-DE" smtClean="0"/>
-              <a:t>03.06.19</a:t>
+              <a:t>04.06.19</a:t>
             </a:fld>
             <a:endParaRPr lang="de-DE"/>
           </a:p>
@@ -5796,7 +5796,7 @@
           <a:p>
             <a:fld id="{6570EB27-023D-8F4E-B696-8C378DF60B96}" type="datetimeFigureOut">
               <a:rPr lang="de-DE" smtClean="0"/>
-              <a:t>03.06.19</a:t>
+              <a:t>04.06.19</a:t>
             </a:fld>
             <a:endParaRPr lang="de-DE"/>
           </a:p>
@@ -7362,7 +7362,7 @@
         </p:nvSpPr>
         <p:spPr>
           <a:xfrm>
-            <a:off x="1302461" y="4466460"/>
+            <a:off x="1300269" y="4466459"/>
             <a:ext cx="2505222" cy="646331"/>
           </a:xfrm>
           <a:prstGeom prst="rect">
@@ -7537,8 +7537,8 @@
         </p:nvSpPr>
         <p:spPr>
           <a:xfrm>
-            <a:off x="6185050" y="4466462"/>
-            <a:ext cx="2105457" cy="646331"/>
+            <a:off x="6138144" y="4466459"/>
+            <a:ext cx="2199269" cy="646331"/>
           </a:xfrm>
           <a:prstGeom prst="rect">
             <a:avLst/>
@@ -7576,7 +7576,7 @@
                 <a:latin typeface="Calibri" panose="020F0502020204030204" pitchFamily="34" charset="0"/>
                 <a:cs typeface="Calibri" panose="020F0502020204030204" pitchFamily="34" charset="0"/>
               </a:rPr>
-              <a:t>SOLUTION ENGINER</a:t>
+              <a:t>SOLUTION ENGINEER</a:t>
             </a:r>
             <a:endParaRPr lang="de-DE" dirty="0">
               <a:solidFill>

--- a/project files/presentation/Final Presentation 06062019_Banana Analytics.pptx
+++ b/project files/presentation/Final Presentation 06062019_Banana Analytics.pptx
@@ -219,7 +219,7 @@
           <a:p>
             <a:fld id="{7823D24B-FFFB-D445-9911-39FF6E064BB7}" type="datetimeFigureOut">
               <a:rPr lang="de-DE" smtClean="0"/>
-              <a:t>04.06.19</a:t>
+              <a:t>06.06.19</a:t>
             </a:fld>
             <a:endParaRPr lang="de-DE"/>
           </a:p>
@@ -1310,7 +1310,7 @@
           <a:p>
             <a:fld id="{6570EB27-023D-8F4E-B696-8C378DF60B96}" type="datetimeFigureOut">
               <a:rPr lang="de-DE" smtClean="0"/>
-              <a:t>04.06.19</a:t>
+              <a:t>06.06.19</a:t>
             </a:fld>
             <a:endParaRPr lang="de-DE"/>
           </a:p>
@@ -1606,7 +1606,7 @@
           <a:p>
             <a:fld id="{6570EB27-023D-8F4E-B696-8C378DF60B96}" type="datetimeFigureOut">
               <a:rPr lang="de-DE" smtClean="0"/>
-              <a:t>04.06.19</a:t>
+              <a:t>06.06.19</a:t>
             </a:fld>
             <a:endParaRPr lang="de-DE"/>
           </a:p>
@@ -1870,7 +1870,7 @@
           <a:p>
             <a:fld id="{6570EB27-023D-8F4E-B696-8C378DF60B96}" type="datetimeFigureOut">
               <a:rPr lang="de-DE" smtClean="0"/>
-              <a:t>04.06.19</a:t>
+              <a:t>06.06.19</a:t>
             </a:fld>
             <a:endParaRPr lang="de-DE"/>
           </a:p>
@@ -2349,7 +2349,7 @@
           <a:p>
             <a:fld id="{6570EB27-023D-8F4E-B696-8C378DF60B96}" type="datetimeFigureOut">
               <a:rPr lang="de-DE" smtClean="0"/>
-              <a:t>04.06.19</a:t>
+              <a:t>06.06.19</a:t>
             </a:fld>
             <a:endParaRPr lang="de-DE"/>
           </a:p>
@@ -2534,7 +2534,7 @@
           <a:p>
             <a:fld id="{6570EB27-023D-8F4E-B696-8C378DF60B96}" type="datetimeFigureOut">
               <a:rPr lang="de-DE" smtClean="0"/>
-              <a:t>04.06.19</a:t>
+              <a:t>06.06.19</a:t>
             </a:fld>
             <a:endParaRPr lang="de-DE"/>
           </a:p>
@@ -3120,7 +3120,7 @@
           <a:p>
             <a:fld id="{6570EB27-023D-8F4E-B696-8C378DF60B96}" type="datetimeFigureOut">
               <a:rPr lang="de-DE" smtClean="0"/>
-              <a:t>04.06.19</a:t>
+              <a:t>06.06.19</a:t>
             </a:fld>
             <a:endParaRPr lang="de-DE"/>
           </a:p>
@@ -3462,7 +3462,7 @@
           <a:p>
             <a:fld id="{6570EB27-023D-8F4E-B696-8C378DF60B96}" type="datetimeFigureOut">
               <a:rPr lang="de-DE" smtClean="0"/>
-              <a:t>04.06.19</a:t>
+              <a:t>06.06.19</a:t>
             </a:fld>
             <a:endParaRPr lang="de-DE"/>
           </a:p>
@@ -3613,7 +3613,7 @@
           <a:p>
             <a:fld id="{6570EB27-023D-8F4E-B696-8C378DF60B96}" type="datetimeFigureOut">
               <a:rPr lang="de-DE" smtClean="0"/>
-              <a:t>04.06.19</a:t>
+              <a:t>06.06.19</a:t>
             </a:fld>
             <a:endParaRPr lang="de-DE"/>
           </a:p>
@@ -3769,7 +3769,7 @@
           <a:p>
             <a:fld id="{6570EB27-023D-8F4E-B696-8C378DF60B96}" type="datetimeFigureOut">
               <a:rPr lang="de-DE" smtClean="0"/>
-              <a:t>04.06.19</a:t>
+              <a:t>06.06.19</a:t>
             </a:fld>
             <a:endParaRPr lang="de-DE"/>
           </a:p>
@@ -3915,7 +3915,7 @@
           <a:p>
             <a:fld id="{6570EB27-023D-8F4E-B696-8C378DF60B96}" type="datetimeFigureOut">
               <a:rPr lang="de-DE" smtClean="0"/>
-              <a:t>04.06.19</a:t>
+              <a:t>06.06.19</a:t>
             </a:fld>
             <a:endParaRPr lang="de-DE"/>
           </a:p>
@@ -4177,7 +4177,7 @@
           <a:p>
             <a:fld id="{6570EB27-023D-8F4E-B696-8C378DF60B96}" type="datetimeFigureOut">
               <a:rPr lang="de-DE" smtClean="0"/>
-              <a:t>04.06.19</a:t>
+              <a:t>06.06.19</a:t>
             </a:fld>
             <a:endParaRPr lang="de-DE"/>
           </a:p>
@@ -4421,7 +4421,7 @@
           <a:p>
             <a:fld id="{6570EB27-023D-8F4E-B696-8C378DF60B96}" type="datetimeFigureOut">
               <a:rPr lang="de-DE" smtClean="0"/>
-              <a:t>04.06.19</a:t>
+              <a:t>06.06.19</a:t>
             </a:fld>
             <a:endParaRPr lang="de-DE"/>
           </a:p>
@@ -4813,7 +4813,7 @@
           <a:p>
             <a:fld id="{6570EB27-023D-8F4E-B696-8C378DF60B96}" type="datetimeFigureOut">
               <a:rPr lang="de-DE" smtClean="0"/>
-              <a:t>04.06.19</a:t>
+              <a:t>06.06.19</a:t>
             </a:fld>
             <a:endParaRPr lang="de-DE"/>
           </a:p>
@@ -4931,7 +4931,7 @@
           <a:p>
             <a:fld id="{6570EB27-023D-8F4E-B696-8C378DF60B96}" type="datetimeFigureOut">
               <a:rPr lang="de-DE" smtClean="0"/>
-              <a:t>04.06.19</a:t>
+              <a:t>06.06.19</a:t>
             </a:fld>
             <a:endParaRPr lang="de-DE"/>
           </a:p>
@@ -5026,7 +5026,7 @@
           <a:p>
             <a:fld id="{6570EB27-023D-8F4E-B696-8C378DF60B96}" type="datetimeFigureOut">
               <a:rPr lang="de-DE" smtClean="0"/>
-              <a:t>04.06.19</a:t>
+              <a:t>06.06.19</a:t>
             </a:fld>
             <a:endParaRPr lang="de-DE"/>
           </a:p>
@@ -5290,7 +5290,7 @@
           <a:p>
             <a:fld id="{6570EB27-023D-8F4E-B696-8C378DF60B96}" type="datetimeFigureOut">
               <a:rPr lang="de-DE" smtClean="0"/>
-              <a:t>04.06.19</a:t>
+              <a:t>06.06.19</a:t>
             </a:fld>
             <a:endParaRPr lang="de-DE"/>
           </a:p>
@@ -5586,7 +5586,7 @@
           <a:p>
             <a:fld id="{6570EB27-023D-8F4E-B696-8C378DF60B96}" type="datetimeFigureOut">
               <a:rPr lang="de-DE" smtClean="0"/>
-              <a:t>04.06.19</a:t>
+              <a:t>06.06.19</a:t>
             </a:fld>
             <a:endParaRPr lang="de-DE"/>
           </a:p>
@@ -5796,7 +5796,7 @@
           <a:p>
             <a:fld id="{6570EB27-023D-8F4E-B696-8C378DF60B96}" type="datetimeFigureOut">
               <a:rPr lang="de-DE" smtClean="0"/>
-              <a:t>04.06.19</a:t>
+              <a:t>06.06.19</a:t>
             </a:fld>
             <a:endParaRPr lang="de-DE"/>
           </a:p>
@@ -6647,7 +6647,7 @@
           <p:spPr>
             <a:xfrm>
               <a:off x="-200697" y="2029049"/>
-              <a:ext cx="8505798" cy="1323439"/>
+              <a:ext cx="8505798" cy="1200329"/>
             </a:xfrm>
             <a:prstGeom prst="rect">
               <a:avLst/>
@@ -6663,8 +6663,9 @@
             </a:bodyPr>
             <a:lstStyle/>
             <a:p>
+              <a:pPr algn="r"/>
               <a:r>
-                <a:rPr lang="de-DE" sz="8000" b="1" dirty="0">
+                <a:rPr lang="de-DE" sz="7200" b="1" dirty="0">
                   <a:ln w="12700">
                     <a:noFill/>
                   </a:ln>
@@ -6675,7 +6676,7 @@
                   <a:ea typeface="Silom" pitchFamily="2" charset="-34"/>
                   <a:cs typeface="Calibri" panose="020F0502020204030204" pitchFamily="34" charset="0"/>
                 </a:rPr>
-                <a:t>BANANAANALYTICS</a:t>
+                <a:t>BANANA ANALYTICS</a:t>
               </a:r>
             </a:p>
           </p:txBody>
